--- a/images/20210915/figure.pptx
+++ b/images/20210915/figure.pptx
@@ -252,7 +252,7 @@
           <a:p>
             <a:fld id="{F9E59C92-BE7C-44F9-84F2-418F921D6B01}" type="datetimeFigureOut">
               <a:rPr lang="en-US" smtClean="0"/>
-              <a:t>4/4/2022</a:t>
+              <a:t>4/7/2022</a:t>
             </a:fld>
             <a:endParaRPr lang="en-US"/>
           </a:p>
@@ -478,7 +478,7 @@
           <a:p>
             <a:fld id="{F9E59C92-BE7C-44F9-84F2-418F921D6B01}" type="datetimeFigureOut">
               <a:rPr lang="en-US" smtClean="0"/>
-              <a:t>4/4/2022</a:t>
+              <a:t>4/7/2022</a:t>
             </a:fld>
             <a:endParaRPr lang="en-US"/>
           </a:p>
@@ -714,7 +714,7 @@
           <a:p>
             <a:fld id="{F9E59C92-BE7C-44F9-84F2-418F921D6B01}" type="datetimeFigureOut">
               <a:rPr lang="en-US" smtClean="0"/>
-              <a:t>4/4/2022</a:t>
+              <a:t>4/7/2022</a:t>
             </a:fld>
             <a:endParaRPr lang="en-US"/>
           </a:p>
@@ -1001,7 +1001,7 @@
           <a:p>
             <a:fld id="{F9E59C92-BE7C-44F9-84F2-418F921D6B01}" type="datetimeFigureOut">
               <a:rPr lang="en-US" smtClean="0"/>
-              <a:t>4/4/2022</a:t>
+              <a:t>4/7/2022</a:t>
             </a:fld>
             <a:endParaRPr lang="en-US"/>
           </a:p>
@@ -1312,7 +1312,7 @@
           <a:p>
             <a:fld id="{F9E59C92-BE7C-44F9-84F2-418F921D6B01}" type="datetimeFigureOut">
               <a:rPr lang="en-US" smtClean="0"/>
-              <a:t>4/4/2022</a:t>
+              <a:t>4/7/2022</a:t>
             </a:fld>
             <a:endParaRPr lang="en-US"/>
           </a:p>
@@ -1632,7 +1632,7 @@
           <a:p>
             <a:fld id="{F9E59C92-BE7C-44F9-84F2-418F921D6B01}" type="datetimeFigureOut">
               <a:rPr lang="en-US" smtClean="0"/>
-              <a:t>4/4/2022</a:t>
+              <a:t>4/7/2022</a:t>
             </a:fld>
             <a:endParaRPr lang="en-US"/>
           </a:p>
@@ -2087,7 +2087,7 @@
           <a:p>
             <a:fld id="{F9E59C92-BE7C-44F9-84F2-418F921D6B01}" type="datetimeFigureOut">
               <a:rPr lang="en-US" smtClean="0"/>
-              <a:t>4/4/2022</a:t>
+              <a:t>4/7/2022</a:t>
             </a:fld>
             <a:endParaRPr lang="en-US"/>
           </a:p>
@@ -2244,7 +2244,7 @@
           <a:p>
             <a:fld id="{F9E59C92-BE7C-44F9-84F2-418F921D6B01}" type="datetimeFigureOut">
               <a:rPr lang="en-US" smtClean="0"/>
-              <a:t>4/4/2022</a:t>
+              <a:t>4/7/2022</a:t>
             </a:fld>
             <a:endParaRPr lang="en-US"/>
           </a:p>
@@ -2406,7 +2406,7 @@
           <a:p>
             <a:fld id="{F9E59C92-BE7C-44F9-84F2-418F921D6B01}" type="datetimeFigureOut">
               <a:rPr lang="en-US" smtClean="0"/>
-              <a:t>4/4/2022</a:t>
+              <a:t>4/7/2022</a:t>
             </a:fld>
             <a:endParaRPr lang="en-US"/>
           </a:p>
@@ -2774,7 +2774,7 @@
           <a:p>
             <a:fld id="{F9E59C92-BE7C-44F9-84F2-418F921D6B01}" type="datetimeFigureOut">
               <a:rPr lang="en-US" smtClean="0"/>
-              <a:t>4/4/2022</a:t>
+              <a:t>4/7/2022</a:t>
             </a:fld>
             <a:endParaRPr lang="en-US"/>
           </a:p>
@@ -3055,7 +3055,7 @@
           <a:p>
             <a:fld id="{F9E59C92-BE7C-44F9-84F2-418F921D6B01}" type="datetimeFigureOut">
               <a:rPr lang="en-US" smtClean="0"/>
-              <a:t>4/4/2022</a:t>
+              <a:t>4/7/2022</a:t>
             </a:fld>
             <a:endParaRPr lang="en-US"/>
           </a:p>
@@ -4320,7 +4320,7 @@
         </p:nvSpPr>
         <p:spPr>
           <a:xfrm>
-            <a:off x="3730248" y="2765971"/>
+            <a:off x="3911822" y="2673420"/>
             <a:ext cx="457200" cy="457200"/>
           </a:xfrm>
           <a:prstGeom prst="arc">
@@ -4374,8 +4374,8 @@
         </p:nvCxnSpPr>
         <p:spPr>
           <a:xfrm>
-            <a:off x="3785846" y="3000019"/>
-            <a:ext cx="1887313" cy="0"/>
+            <a:off x="4019380" y="2913014"/>
+            <a:ext cx="1870245" cy="0"/>
           </a:xfrm>
           <a:prstGeom prst="line">
             <a:avLst/>
@@ -4416,7 +4416,7 @@
         </p:nvSpPr>
         <p:spPr>
           <a:xfrm>
-            <a:off x="5083648" y="2954299"/>
+            <a:off x="5088493" y="2864049"/>
             <a:ext cx="91440" cy="91440"/>
           </a:xfrm>
           <a:prstGeom prst="ellipse">
@@ -4470,7 +4470,7 @@
             </p:nvSpPr>
             <p:spPr>
               <a:xfrm>
-                <a:off x="5048008" y="2931156"/>
+                <a:off x="5018488" y="2817862"/>
                 <a:ext cx="494522" cy="369397"/>
               </a:xfrm>
               <a:prstGeom prst="rect">
@@ -4529,7 +4529,7 @@
             </p:nvSpPr>
             <p:spPr>
               <a:xfrm>
-                <a:off x="5048008" y="2931156"/>
+                <a:off x="5018488" y="2817862"/>
                 <a:ext cx="494522" cy="369397"/>
               </a:xfrm>
               <a:prstGeom prst="rect">
@@ -4557,8 +4557,8 @@
           </p:sp>
         </mc:Fallback>
       </mc:AlternateContent>
-      <mc:AlternateContent xmlns:mc="http://schemas.openxmlformats.org/markup-compatibility/2006">
-        <mc:Choice xmlns:a14="http://schemas.microsoft.com/office/drawing/2010/main" Requires="a14">
+      <mc:AlternateContent xmlns:mc="http://schemas.openxmlformats.org/markup-compatibility/2006" xmlns:a14="http://schemas.microsoft.com/office/drawing/2010/main">
+        <mc:Choice Requires="a14">
           <p:sp>
             <p:nvSpPr>
               <p:cNvPr id="27" name="テキスト ボックス 26">
@@ -4636,7 +4636,7 @@
             </p:txBody>
           </p:sp>
         </mc:Choice>
-        <mc:Fallback>
+        <mc:Fallback xmlns="">
           <p:sp>
             <p:nvSpPr>
               <p:cNvPr id="27" name="テキスト ボックス 26">
@@ -4681,8 +4681,8 @@
           </p:sp>
         </mc:Fallback>
       </mc:AlternateContent>
-      <mc:AlternateContent xmlns:mc="http://schemas.openxmlformats.org/markup-compatibility/2006">
-        <mc:Choice xmlns:a14="http://schemas.microsoft.com/office/drawing/2010/main" Requires="a14">
+      <mc:AlternateContent xmlns:mc="http://schemas.openxmlformats.org/markup-compatibility/2006" xmlns:a14="http://schemas.microsoft.com/office/drawing/2010/main">
+        <mc:Choice Requires="a14">
           <p:sp>
             <p:nvSpPr>
               <p:cNvPr id="28" name="テキスト ボックス 27">
@@ -4760,7 +4760,7 @@
             </p:txBody>
           </p:sp>
         </mc:Choice>
-        <mc:Fallback>
+        <mc:Fallback xmlns="">
           <p:sp>
             <p:nvSpPr>
               <p:cNvPr id="28" name="テキスト ボックス 27">
@@ -4976,13 +4976,14 @@
           </p:cNvPr>
           <p:cNvCxnSpPr>
             <a:cxnSpLocks/>
+            <a:endCxn id="25" idx="1"/>
           </p:cNvCxnSpPr>
           <p:nvPr/>
         </p:nvCxnSpPr>
         <p:spPr>
           <a:xfrm>
-            <a:off x="4837348" y="2397125"/>
-            <a:ext cx="273766" cy="559703"/>
+            <a:off x="4831508" y="2407444"/>
+            <a:ext cx="270376" cy="469996"/>
           </a:xfrm>
           <a:prstGeom prst="line">
             <a:avLst/>
@@ -5010,8 +5011,8 @@
           </a:fontRef>
         </p:style>
       </p:cxnSp>
-      <mc:AlternateContent xmlns:mc="http://schemas.openxmlformats.org/markup-compatibility/2006">
-        <mc:Choice xmlns:a14="http://schemas.microsoft.com/office/drawing/2010/main" Requires="a14">
+      <mc:AlternateContent xmlns:mc="http://schemas.openxmlformats.org/markup-compatibility/2006" xmlns:a14="http://schemas.microsoft.com/office/drawing/2010/main">
+        <mc:Choice Requires="a14">
           <p:sp>
             <p:nvSpPr>
               <p:cNvPr id="31" name="テキスト ボックス 30">
@@ -5026,7 +5027,7 @@
             </p:nvSpPr>
             <p:spPr>
               <a:xfrm>
-                <a:off x="4972040" y="2398231"/>
+                <a:off x="4944891" y="2344854"/>
                 <a:ext cx="342122" cy="371064"/>
               </a:xfrm>
               <a:prstGeom prst="rect">
@@ -5093,7 +5094,7 @@
             </p:txBody>
           </p:sp>
         </mc:Choice>
-        <mc:Fallback>
+        <mc:Fallback xmlns="">
           <p:sp>
             <p:nvSpPr>
               <p:cNvPr id="31" name="テキスト ボックス 30">
@@ -5110,7 +5111,7 @@
             </p:nvSpPr>
             <p:spPr>
               <a:xfrm>
-                <a:off x="4972040" y="2398231"/>
+                <a:off x="4944891" y="2344854"/>
                 <a:ext cx="342122" cy="371064"/>
               </a:xfrm>
               <a:prstGeom prst="rect">
@@ -5119,7 +5120,7 @@
               <a:blipFill>
                 <a:blip r:embed="rId5"/>
                 <a:stretch>
-                  <a:fillRect r="-1786" b="-3279"/>
+                  <a:fillRect r="-3571" b="-3279"/>
                 </a:stretch>
               </a:blipFill>
             </p:spPr>
@@ -5138,8 +5139,8 @@
           </p:sp>
         </mc:Fallback>
       </mc:AlternateContent>
-      <mc:AlternateContent xmlns:mc="http://schemas.openxmlformats.org/markup-compatibility/2006">
-        <mc:Choice xmlns:a14="http://schemas.microsoft.com/office/drawing/2010/main" Requires="a14">
+      <mc:AlternateContent xmlns:mc="http://schemas.openxmlformats.org/markup-compatibility/2006" xmlns:a14="http://schemas.microsoft.com/office/drawing/2010/main">
+        <mc:Choice Requires="a14">
           <p:sp>
             <p:nvSpPr>
               <p:cNvPr id="33" name="テキスト ボックス 32">
@@ -5154,7 +5155,7 @@
             </p:nvSpPr>
             <p:spPr>
               <a:xfrm>
-                <a:off x="4196400" y="2676976"/>
+                <a:off x="4377974" y="2584425"/>
                 <a:ext cx="342122" cy="371064"/>
               </a:xfrm>
               <a:prstGeom prst="rect">
@@ -5196,7 +5197,7 @@
             </p:txBody>
           </p:sp>
         </mc:Choice>
-        <mc:Fallback>
+        <mc:Fallback xmlns="">
           <p:sp>
             <p:nvSpPr>
               <p:cNvPr id="33" name="テキスト ボックス 32">
@@ -5213,7 +5214,7 @@
             </p:nvSpPr>
             <p:spPr>
               <a:xfrm>
-                <a:off x="4196400" y="2676976"/>
+                <a:off x="4377974" y="2584425"/>
                 <a:ext cx="342122" cy="371064"/>
               </a:xfrm>
               <a:prstGeom prst="rect">
